--- a/original/community/jaws-ug-nagoya/jaws-ug-nagoya_cm.pptx
+++ b/original/community/jaws-ug-nagoya/jaws-ug-nagoya_cm.pptx
@@ -5,16 +5,13 @@
     <p:sldMasterId id="2147483648" r:id="rId1"/>
   </p:sldMasterIdLst>
   <p:notesMasterIdLst>
-    <p:notesMasterId r:id="rId6"/>
+    <p:notesMasterId r:id="rId3"/>
   </p:notesMasterIdLst>
   <p:handoutMasterIdLst>
-    <p:handoutMasterId r:id="rId7"/>
+    <p:handoutMasterId r:id="rId4"/>
   </p:handoutMasterIdLst>
   <p:sldIdLst>
     <p:sldId id="256" r:id="rId2"/>
-    <p:sldId id="372" r:id="rId3"/>
-    <p:sldId id="371" r:id="rId4"/>
-    <p:sldId id="374" r:id="rId5"/>
   </p:sldIdLst>
   <p:sldSz cx="12192000" cy="6858000"/>
   <p:notesSz cx="6858000" cy="9144000"/>
@@ -119,9 +116,6 @@
         <p14:section name="既定のセクション" id="{618B91F0-9C1D-8C41-93BF-789F25FE9545}">
           <p14:sldIdLst>
             <p14:sldId id="256"/>
-            <p14:sldId id="372"/>
-            <p14:sldId id="371"/>
-            <p14:sldId id="374"/>
           </p14:sldIdLst>
         </p14:section>
       </p14:sectionLst>
@@ -215,7 +209,7 @@
           <a:p>
             <a:fld id="{E7A50142-0110-8043-94C0-52E534B0E64D}" type="datetimeFigureOut">
               <a:rPr kumimoji="1" lang="ja-JP" altLang="en-US" smtClean="0"/>
-              <a:t>2022/1/9</a:t>
+              <a:t>2022/1/10</a:t>
             </a:fld>
             <a:endParaRPr kumimoji="1" lang="ja-JP" altLang="en-US"/>
           </a:p>
@@ -381,7 +375,7 @@
           <a:p>
             <a:fld id="{ED9FB383-5895-DB4F-AD16-88AE1EEA9958}" type="datetimeFigureOut">
               <a:rPr kumimoji="1" lang="ja-JP" altLang="en-US" smtClean="0"/>
-              <a:t>2022/1/9</a:t>
+              <a:t>2022/1/10</a:t>
             </a:fld>
             <a:endParaRPr kumimoji="1" lang="ja-JP" altLang="en-US"/>
           </a:p>
@@ -4296,7 +4290,7 @@
         </p:nvSpPr>
         <p:spPr>
           <a:xfrm>
-            <a:off x="1850419" y="1573983"/>
+            <a:off x="1850419" y="313644"/>
             <a:ext cx="8653722" cy="923330"/>
           </a:xfrm>
           <a:prstGeom prst="rect">
@@ -4393,50 +4387,6 @@
               <a:t>1</a:t>
             </a:fld>
             <a:endParaRPr kumimoji="1" lang="ja-JP" altLang="en-US"/>
-          </a:p>
-        </p:txBody>
-      </p:sp>
-      <p:sp>
-        <p:nvSpPr>
-          <p:cNvPr id="10" name="テキスト ボックス 9">
-            <a:extLst>
-              <a:ext uri="{FF2B5EF4-FFF2-40B4-BE49-F238E27FC236}">
-                <a16:creationId xmlns:a16="http://schemas.microsoft.com/office/drawing/2014/main" id="{5BA39BA8-D15D-7B4C-9B2A-5E4567F53D54}"/>
-              </a:ext>
-            </a:extLst>
-          </p:cNvPr>
-          <p:cNvSpPr txBox="1"/>
-          <p:nvPr/>
-        </p:nvSpPr>
-        <p:spPr>
-          <a:xfrm>
-            <a:off x="374814" y="5836225"/>
-            <a:ext cx="1904689" cy="523220"/>
-          </a:xfrm>
-          <a:prstGeom prst="rect">
-            <a:avLst/>
-          </a:prstGeom>
-          <a:noFill/>
-        </p:spPr>
-        <p:txBody>
-          <a:bodyPr wrap="none" rtlCol="0">
-            <a:spAutoFit/>
-          </a:bodyPr>
-          <a:lstStyle/>
-          <a:p>
-            <a:r>
-              <a:rPr lang="en-US" altLang="ja-JP" sz="2800" dirty="0">
-                <a:solidFill>
-                  <a:srgbClr val="575757"/>
-                </a:solidFill>
-              </a:rPr>
-              <a:t>#NGK2022S</a:t>
-            </a:r>
-            <a:endParaRPr kumimoji="1" lang="ja-JP" altLang="en-US" sz="2800" dirty="0">
-              <a:solidFill>
-                <a:srgbClr val="575757"/>
-              </a:solidFill>
-            </a:endParaRPr>
           </a:p>
         </p:txBody>
       </p:sp>
@@ -4462,8 +4412,8 @@
         </p:blipFill>
         <p:spPr>
           <a:xfrm>
-            <a:off x="1962912" y="2981945"/>
-            <a:ext cx="2417064" cy="2417064"/>
+            <a:off x="590722" y="1236974"/>
+            <a:ext cx="1765665" cy="1765665"/>
           </a:xfrm>
           <a:prstGeom prst="rect">
             <a:avLst/>
@@ -4484,205 +4434,97 @@
         </p:nvSpPr>
         <p:spPr>
           <a:xfrm>
-            <a:off x="5578254" y="2928082"/>
-            <a:ext cx="3745897" cy="2585323"/>
+            <a:off x="2734056" y="1453053"/>
+            <a:ext cx="8494775" cy="1384995"/>
           </a:xfrm>
           <a:prstGeom prst="rect">
             <a:avLst/>
           </a:prstGeom>
         </p:spPr>
         <p:txBody>
-          <a:bodyPr wrap="none">
+          <a:bodyPr wrap="square">
             <a:spAutoFit/>
           </a:bodyPr>
           <a:lstStyle/>
           <a:p>
             <a:r>
-              <a:rPr lang="en-US" altLang="ja-JP" dirty="0" err="1"/>
+              <a:rPr lang="en-US" altLang="ja-JP" sz="2800" dirty="0" err="1"/>
               <a:t>DoorKeeper</a:t>
             </a:r>
-            <a:endParaRPr lang="en-US" altLang="ja-JP" dirty="0"/>
-          </a:p>
-          <a:p>
-            <a:r>
-              <a:rPr lang="ja-JP" altLang="en-US">
+            <a:r>
+              <a:rPr lang="ja-JP" altLang="en-US" sz="2800"/>
+              <a:t>：</a:t>
+            </a:r>
+            <a:r>
+              <a:rPr lang="ja-JP" altLang="en-US" sz="2800" dirty="0"/>
+              <a:t>　</a:t>
+            </a:r>
+            <a:r>
+              <a:rPr lang="ja-JP" altLang="en-US" sz="2800">
                 <a:hlinkClick r:id="rId4"/>
               </a:rPr>
               <a:t>https://jawsug-nagoya.doorkeeper.jp/</a:t>
             </a:r>
-            <a:endParaRPr lang="en-US" altLang="ja-JP" dirty="0"/>
-          </a:p>
-          <a:p>
-            <a:endParaRPr lang="en-US" altLang="ja-JP" dirty="0"/>
-          </a:p>
-          <a:p>
-            <a:r>
-              <a:rPr lang="en-US" altLang="ja-JP" dirty="0"/>
+            <a:endParaRPr lang="en-US" altLang="ja-JP" sz="2800" dirty="0"/>
+          </a:p>
+          <a:p>
+            <a:r>
+              <a:rPr lang="en-US" altLang="ja-JP" sz="2800" dirty="0"/>
               <a:t>Twitter</a:t>
             </a:r>
-          </a:p>
-          <a:p>
-            <a:r>
-              <a:rPr lang="en-US" altLang="ja-JP" dirty="0"/>
+            <a:r>
+              <a:rPr lang="ja-JP" altLang="en-US" sz="2800"/>
+              <a:t>　　：　</a:t>
+            </a:r>
+            <a:r>
+              <a:rPr lang="en-US" altLang="ja-JP" sz="2800" dirty="0"/>
               <a:t>@JAWSUG_NAGOYA</a:t>
             </a:r>
-          </a:p>
-          <a:p>
-            <a:r>
-              <a:rPr lang="en-US" altLang="ja-JP" dirty="0"/>
+            <a:r>
+              <a:rPr lang="ja-JP" altLang="en-US" sz="2800"/>
+              <a:t>　</a:t>
+            </a:r>
+            <a:r>
+              <a:rPr lang="en-US" altLang="ja-JP" sz="2800" dirty="0"/>
               <a:t>#</a:t>
             </a:r>
             <a:r>
-              <a:rPr lang="en-US" altLang="ja-JP" dirty="0" err="1"/>
+              <a:rPr lang="en-US" altLang="ja-JP" sz="2800" dirty="0" err="1"/>
               <a:t>jawsug_nagoya</a:t>
             </a:r>
-            <a:endParaRPr lang="en-US" altLang="ja-JP" dirty="0"/>
-          </a:p>
-          <a:p>
-            <a:endParaRPr lang="en-US" altLang="ja-JP" dirty="0"/>
-          </a:p>
-          <a:p>
-            <a:r>
-              <a:rPr lang="en-US" altLang="ja-JP" dirty="0"/>
+            <a:endParaRPr lang="en-US" altLang="ja-JP" sz="2800" dirty="0"/>
+          </a:p>
+          <a:p>
+            <a:r>
+              <a:rPr lang="en-US" altLang="ja-JP" sz="2800" dirty="0"/>
               <a:t>Facebook</a:t>
             </a:r>
             <a:r>
-              <a:rPr lang="ja-JP" altLang="en-US"/>
-              <a:t>ページ</a:t>
-            </a:r>
-            <a:endParaRPr lang="en-US" altLang="ja-JP" dirty="0"/>
-          </a:p>
-          <a:p>
-            <a:r>
-              <a:rPr lang="en-US" altLang="ja-JP" dirty="0"/>
+              <a:rPr lang="ja-JP" altLang="en-US" sz="2800"/>
+              <a:t>　：</a:t>
+            </a:r>
+            <a:r>
+              <a:rPr lang="ja-JP" altLang="en-US" sz="2800" dirty="0"/>
+              <a:t>　</a:t>
+            </a:r>
+            <a:r>
+              <a:rPr lang="en-US" altLang="ja-JP" sz="2800" dirty="0"/>
               <a:t>@</a:t>
             </a:r>
             <a:r>
-              <a:rPr lang="en-US" altLang="ja-JP" dirty="0" err="1"/>
+              <a:rPr lang="en-US" altLang="ja-JP" sz="2800" dirty="0" err="1"/>
               <a:t>jawsug.nagoya</a:t>
             </a:r>
-            <a:endParaRPr lang="en-US" altLang="ja-JP" dirty="0"/>
-          </a:p>
-        </p:txBody>
-      </p:sp>
-    </p:spTree>
-    <p:extLst>
-      <p:ext uri="{BB962C8B-B14F-4D97-AF65-F5344CB8AC3E}">
-        <p14:creationId xmlns:p14="http://schemas.microsoft.com/office/powerpoint/2010/main" val="1505641329"/>
-      </p:ext>
-    </p:extLst>
-  </p:cSld>
-  <p:clrMapOvr>
-    <a:masterClrMapping/>
-  </p:clrMapOvr>
-</p:sld>
-</file>
-
-<file path=ppt/slides/slide2.xml><?xml version="1.0" encoding="utf-8"?>
-<p:sld xmlns:a="http://schemas.openxmlformats.org/drawingml/2006/main" xmlns:r="http://schemas.openxmlformats.org/officeDocument/2006/relationships" xmlns:p="http://schemas.openxmlformats.org/presentationml/2006/main">
-  <p:cSld>
-    <p:spTree>
-      <p:nvGrpSpPr>
-        <p:cNvPr id="1" name=""/>
-        <p:cNvGrpSpPr/>
-        <p:nvPr/>
-      </p:nvGrpSpPr>
-      <p:grpSpPr>
-        <a:xfrm>
-          <a:off x="0" y="0"/>
-          <a:ext cx="0" cy="0"/>
-          <a:chOff x="0" y="0"/>
-          <a:chExt cx="0" cy="0"/>
-        </a:xfrm>
-      </p:grpSpPr>
-      <p:sp>
-        <p:nvSpPr>
-          <p:cNvPr id="2" name="タイトル 1"/>
-          <p:cNvSpPr>
-            <a:spLocks noGrp="1"/>
-          </p:cNvSpPr>
-          <p:nvPr>
-            <p:ph type="title"/>
-          </p:nvPr>
-        </p:nvSpPr>
-        <p:spPr/>
-        <p:txBody>
-          <a:bodyPr>
-            <a:normAutofit/>
-          </a:bodyPr>
-          <a:lstStyle/>
-          <a:p>
-            <a:r>
-              <a:rPr lang="en-US" altLang="ja-JP" dirty="0">
-                <a:latin typeface="+mj-ea"/>
-              </a:rPr>
-              <a:t>JAWS-UG</a:t>
-            </a:r>
-            <a:r>
-              <a:rPr lang="ja-JP" altLang="en-US">
-                <a:latin typeface="+mj-ea"/>
-              </a:rPr>
-              <a:t>名古屋について</a:t>
-            </a:r>
-            <a:endParaRPr kumimoji="1" lang="ja-JP" altLang="en-US" sz="1800" dirty="0">
-              <a:latin typeface="+mj-ea"/>
-            </a:endParaRPr>
-          </a:p>
-        </p:txBody>
-      </p:sp>
-      <p:sp>
-        <p:nvSpPr>
-          <p:cNvPr id="4" name="フッター プレースホルダー 3"/>
-          <p:cNvSpPr>
-            <a:spLocks noGrp="1"/>
-          </p:cNvSpPr>
-          <p:nvPr>
-            <p:ph type="ftr" sz="quarter" idx="11"/>
-          </p:nvPr>
-        </p:nvSpPr>
-        <p:spPr/>
-        <p:txBody>
-          <a:bodyPr/>
-          <a:lstStyle/>
-          <a:p>
-            <a:r>
-              <a:rPr lang="de-DE" altLang="ja-JP"/>
-              <a:t>20220122 NGK2022S</a:t>
-            </a:r>
-            <a:endParaRPr lang="ja-JP" altLang="en-US" dirty="0"/>
-          </a:p>
-        </p:txBody>
-      </p:sp>
-      <p:sp>
-        <p:nvSpPr>
-          <p:cNvPr id="5" name="スライド番号プレースホルダー 4"/>
-          <p:cNvSpPr>
-            <a:spLocks noGrp="1"/>
-          </p:cNvSpPr>
-          <p:nvPr>
-            <p:ph type="sldNum" sz="quarter" idx="12"/>
-          </p:nvPr>
-        </p:nvSpPr>
-        <p:spPr/>
-        <p:txBody>
-          <a:bodyPr/>
-          <a:lstStyle/>
-          <a:p>
-            <a:fld id="{4C6F59A7-4AF7-C946-B34D-53547DE9B171}" type="slidenum">
-              <a:rPr lang="ja-JP" altLang="en-US" smtClean="0"/>
-              <a:pPr/>
-              <a:t>2</a:t>
-            </a:fld>
-            <a:endParaRPr lang="ja-JP" altLang="en-US"/>
-          </a:p>
-        </p:txBody>
-      </p:sp>
-      <p:sp>
-        <p:nvSpPr>
-          <p:cNvPr id="6" name="コンテンツ プレースホルダー 2">
+            <a:endParaRPr lang="en-US" altLang="ja-JP" sz="2800" dirty="0"/>
+          </a:p>
+        </p:txBody>
+      </p:sp>
+      <p:sp>
+        <p:nvSpPr>
+          <p:cNvPr id="8" name="コンテンツ プレースホルダー 2">
             <a:extLst>
               <a:ext uri="{FF2B5EF4-FFF2-40B4-BE49-F238E27FC236}">
-                <a16:creationId xmlns:a16="http://schemas.microsoft.com/office/drawing/2014/main" id="{D3B8DC19-47AF-5548-8633-AC1D64A4319D}"/>
+                <a16:creationId xmlns:a16="http://schemas.microsoft.com/office/drawing/2014/main" id="{762C2E97-1ACF-5E42-AB05-E9C8EE82F210}"/>
               </a:ext>
             </a:extLst>
           </p:cNvPr>
@@ -4693,8 +4535,8 @@
         </p:nvSpPr>
         <p:spPr>
           <a:xfrm>
-            <a:off x="185928" y="1384748"/>
-            <a:ext cx="11875008" cy="4850952"/>
+            <a:off x="239776" y="3237681"/>
+            <a:ext cx="11875008" cy="3256692"/>
           </a:xfrm>
           <a:prstGeom prst="rect">
             <a:avLst/>
@@ -4873,60 +4715,36 @@
               <a:buNone/>
             </a:pPr>
             <a:r>
-              <a:rPr lang="ja-JP" altLang="en-US" b="0">
+              <a:rPr lang="ja-JP" altLang="en-US" sz="3600" b="0">
                 <a:latin typeface="+mn-ea"/>
               </a:rPr>
               <a:t>・</a:t>
             </a:r>
             <a:r>
-              <a:rPr lang="en-US" altLang="ja-JP" b="0" dirty="0">
+              <a:rPr lang="en-US" altLang="ja-JP" sz="3600" b="0" dirty="0">
                 <a:latin typeface="+mn-ea"/>
               </a:rPr>
               <a:t>AWS</a:t>
             </a:r>
             <a:r>
-              <a:rPr lang="ja-JP" altLang="en-US" b="0">
+              <a:rPr lang="ja-JP" altLang="en-US" sz="3600" b="0">
                 <a:latin typeface="+mn-ea"/>
               </a:rPr>
-              <a:t>（</a:t>
-            </a:r>
-            <a:r>
-              <a:rPr lang="en-US" altLang="ja-JP" b="0" dirty="0">
-                <a:latin typeface="+mn-ea"/>
-              </a:rPr>
-              <a:t>Amazon Web Services</a:t>
-            </a:r>
-            <a:r>
-              <a:rPr lang="ja-JP" altLang="en-US" b="0">
-                <a:latin typeface="+mn-ea"/>
-              </a:rPr>
-              <a:t>）</a:t>
-            </a:r>
-            <a:r>
-              <a:rPr lang="en-US" altLang="ja-JP" b="0" dirty="0">
-                <a:latin typeface="+mn-ea"/>
-              </a:rPr>
-              <a:t> </a:t>
-            </a:r>
-            <a:r>
-              <a:rPr lang="ja-JP" altLang="en-US" b="0">
-                <a:latin typeface="+mn-ea"/>
-              </a:rPr>
-              <a:t>が提供するクラウドコンピューティングに興味ある方が集まるコミュニティ（</a:t>
-            </a:r>
-            <a:r>
-              <a:rPr lang="en-US" altLang="ja-JP" b="0" dirty="0">
+              <a:t>やクラウドに興味ある方が集まるコミュニティ（</a:t>
+            </a:r>
+            <a:r>
+              <a:rPr lang="en-US" altLang="ja-JP" sz="3600" b="0" dirty="0">
                 <a:latin typeface="+mn-ea"/>
               </a:rPr>
               <a:t>JAWS-UG</a:t>
             </a:r>
             <a:r>
-              <a:rPr lang="ja-JP" altLang="en-US" b="0">
+              <a:rPr lang="ja-JP" altLang="en-US" sz="3600" b="0">
                 <a:latin typeface="+mn-ea"/>
               </a:rPr>
               <a:t>）の名古屋支部です。</a:t>
             </a:r>
-            <a:endParaRPr lang="en-US" altLang="ja-JP" b="0" dirty="0">
+            <a:endParaRPr lang="en-US" altLang="ja-JP" sz="3600" b="0" dirty="0">
               <a:latin typeface="+mn-ea"/>
             </a:endParaRPr>
           </a:p>
@@ -4935,12 +4753,12 @@
               <a:buNone/>
             </a:pPr>
             <a:r>
-              <a:rPr lang="ja-JP" altLang="en-US" b="0">
+              <a:rPr lang="ja-JP" altLang="en-US" sz="3600" b="0">
                 <a:latin typeface="+mn-ea"/>
               </a:rPr>
-              <a:t>・コロナ以前は、オフラインで毎月勉強会開催していました。</a:t>
-            </a:r>
-            <a:endParaRPr lang="en-US" altLang="ja-JP" b="0" dirty="0">
+              <a:t>・毎月開催目標（最近は、オンラインがメイン）</a:t>
+            </a:r>
+            <a:endParaRPr lang="en-US" altLang="ja-JP" sz="3600" b="0" dirty="0">
               <a:latin typeface="+mn-ea"/>
             </a:endParaRPr>
           </a:p>
@@ -4949,1114 +4767,47 @@
               <a:buNone/>
             </a:pPr>
             <a:r>
-              <a:rPr lang="ja-JP" altLang="en-US" b="0">
+              <a:rPr lang="ja-JP" altLang="en-US" sz="3600" b="0">
                 <a:latin typeface="+mn-ea"/>
               </a:rPr>
-              <a:t>・最近は、オンラインで開催しています。</a:t>
-            </a:r>
-            <a:endParaRPr lang="en-US" altLang="ja-JP" sz="2400" b="0" dirty="0">
+              <a:t>・次回、</a:t>
+            </a:r>
+            <a:r>
+              <a:rPr lang="en-US" altLang="ja-JP" sz="3600" b="0" dirty="0">
+                <a:latin typeface="+mn-ea"/>
+              </a:rPr>
+              <a:t>1/28</a:t>
+            </a:r>
+            <a:r>
+              <a:rPr lang="ja-JP" altLang="en-US" sz="3600" b="0">
+                <a:latin typeface="+mn-ea"/>
+              </a:rPr>
+              <a:t>（金）開催</a:t>
+            </a:r>
+            <a:endParaRPr lang="en-US" altLang="ja-JP" sz="3600" b="0" dirty="0">
               <a:latin typeface="+mn-ea"/>
             </a:endParaRPr>
           </a:p>
-        </p:txBody>
-      </p:sp>
-      <p:pic>
-        <p:nvPicPr>
-          <p:cNvPr id="8" name="図 7">
-            <a:extLst>
-              <a:ext uri="{FF2B5EF4-FFF2-40B4-BE49-F238E27FC236}">
-                <a16:creationId xmlns:a16="http://schemas.microsoft.com/office/drawing/2014/main" id="{3D2930AC-885F-A040-B831-0934FB43E319}"/>
-              </a:ext>
-            </a:extLst>
-          </p:cNvPr>
-          <p:cNvPicPr>
-            <a:picLocks noChangeAspect="1"/>
-          </p:cNvPicPr>
-          <p:nvPr/>
-        </p:nvPicPr>
-        <p:blipFill>
-          <a:blip r:embed="rId2"/>
-          <a:stretch>
-            <a:fillRect/>
-          </a:stretch>
-        </p:blipFill>
-        <p:spPr>
-          <a:xfrm>
-            <a:off x="185928" y="297020"/>
-            <a:ext cx="652272" cy="652272"/>
-          </a:xfrm>
-          <a:prstGeom prst="rect">
-            <a:avLst/>
-          </a:prstGeom>
-        </p:spPr>
-      </p:pic>
+          <a:p>
+            <a:pPr marL="0" indent="0">
+              <a:buNone/>
+            </a:pPr>
+            <a:r>
+              <a:rPr lang="ja-JP" altLang="en-US" sz="3600" b="0">
+                <a:latin typeface="+mn-ea"/>
+              </a:rPr>
+              <a:t>・運営スタッフ募集中</a:t>
+            </a:r>
+            <a:endParaRPr lang="en-US" altLang="ja-JP" sz="3600" b="0" dirty="0">
+              <a:latin typeface="+mn-ea"/>
+            </a:endParaRPr>
+          </a:p>
+        </p:txBody>
+      </p:sp>
     </p:spTree>
     <p:extLst>
       <p:ext uri="{BB962C8B-B14F-4D97-AF65-F5344CB8AC3E}">
-        <p14:creationId xmlns:p14="http://schemas.microsoft.com/office/powerpoint/2010/main" val="362958033"/>
-      </p:ext>
-    </p:extLst>
-  </p:cSld>
-  <p:clrMapOvr>
-    <a:masterClrMapping/>
-  </p:clrMapOvr>
-</p:sld>
-</file>
-
-<file path=ppt/slides/slide3.xml><?xml version="1.0" encoding="utf-8"?>
-<p:sld xmlns:a="http://schemas.openxmlformats.org/drawingml/2006/main" xmlns:r="http://schemas.openxmlformats.org/officeDocument/2006/relationships" xmlns:p="http://schemas.openxmlformats.org/presentationml/2006/main">
-  <p:cSld>
-    <p:spTree>
-      <p:nvGrpSpPr>
-        <p:cNvPr id="1" name=""/>
-        <p:cNvGrpSpPr/>
-        <p:nvPr/>
-      </p:nvGrpSpPr>
-      <p:grpSpPr>
-        <a:xfrm>
-          <a:off x="0" y="0"/>
-          <a:ext cx="0" cy="0"/>
-          <a:chOff x="0" y="0"/>
-          <a:chExt cx="0" cy="0"/>
-        </a:xfrm>
-      </p:grpSpPr>
-      <p:sp>
-        <p:nvSpPr>
-          <p:cNvPr id="2" name="タイトル 1"/>
-          <p:cNvSpPr>
-            <a:spLocks noGrp="1"/>
-          </p:cNvSpPr>
-          <p:nvPr>
-            <p:ph type="title"/>
-          </p:nvPr>
-        </p:nvSpPr>
-        <p:spPr/>
-        <p:txBody>
-          <a:bodyPr>
-            <a:normAutofit/>
-          </a:bodyPr>
-          <a:lstStyle/>
-          <a:p>
-            <a:r>
-              <a:rPr lang="ja-JP" altLang="en-US"/>
-              <a:t>直近の勉強会テーマ</a:t>
-            </a:r>
-            <a:endParaRPr kumimoji="1" lang="ja-JP" altLang="en-US" sz="1800" dirty="0"/>
-          </a:p>
-        </p:txBody>
-      </p:sp>
-      <p:sp>
-        <p:nvSpPr>
-          <p:cNvPr id="4" name="フッター プレースホルダー 3"/>
-          <p:cNvSpPr>
-            <a:spLocks noGrp="1"/>
-          </p:cNvSpPr>
-          <p:nvPr>
-            <p:ph type="ftr" sz="quarter" idx="11"/>
-          </p:nvPr>
-        </p:nvSpPr>
-        <p:spPr/>
-        <p:txBody>
-          <a:bodyPr/>
-          <a:lstStyle/>
-          <a:p>
-            <a:r>
-              <a:rPr lang="de-DE" altLang="ja-JP"/>
-              <a:t>20220122 NGK2022S</a:t>
-            </a:r>
-            <a:endParaRPr lang="ja-JP" altLang="en-US" dirty="0"/>
-          </a:p>
-        </p:txBody>
-      </p:sp>
-      <p:sp>
-        <p:nvSpPr>
-          <p:cNvPr id="5" name="スライド番号プレースホルダー 4"/>
-          <p:cNvSpPr>
-            <a:spLocks noGrp="1"/>
-          </p:cNvSpPr>
-          <p:nvPr>
-            <p:ph type="sldNum" sz="quarter" idx="12"/>
-          </p:nvPr>
-        </p:nvSpPr>
-        <p:spPr/>
-        <p:txBody>
-          <a:bodyPr/>
-          <a:lstStyle/>
-          <a:p>
-            <a:fld id="{4C6F59A7-4AF7-C946-B34D-53547DE9B171}" type="slidenum">
-              <a:rPr lang="ja-JP" altLang="en-US" smtClean="0"/>
-              <a:pPr/>
-              <a:t>3</a:t>
-            </a:fld>
-            <a:endParaRPr lang="ja-JP" altLang="en-US"/>
-          </a:p>
-        </p:txBody>
-      </p:sp>
-      <p:sp>
-        <p:nvSpPr>
-          <p:cNvPr id="6" name="コンテンツ プレースホルダー 2">
-            <a:extLst>
-              <a:ext uri="{FF2B5EF4-FFF2-40B4-BE49-F238E27FC236}">
-                <a16:creationId xmlns:a16="http://schemas.microsoft.com/office/drawing/2014/main" id="{D3B8DC19-47AF-5548-8633-AC1D64A4319D}"/>
-              </a:ext>
-            </a:extLst>
-          </p:cNvPr>
-          <p:cNvSpPr txBox="1">
-            <a:spLocks/>
-          </p:cNvSpPr>
-          <p:nvPr/>
-        </p:nvSpPr>
-        <p:spPr>
-          <a:xfrm>
-            <a:off x="185928" y="1384748"/>
-            <a:ext cx="11902440" cy="4850952"/>
-          </a:xfrm>
-          <a:prstGeom prst="rect">
-            <a:avLst/>
-          </a:prstGeom>
-        </p:spPr>
-        <p:txBody>
-          <a:bodyPr vert="horz" lIns="91440" tIns="45720" rIns="91440" bIns="45720" rtlCol="0">
-            <a:normAutofit fontScale="70000" lnSpcReduction="20000"/>
-          </a:bodyPr>
-          <a:lstStyle>
-            <a:lvl1pPr marL="228600" indent="-228600" algn="l" defTabSz="914400" rtl="0" eaLnBrk="1" latinLnBrk="0" hangingPunct="1">
-              <a:lnSpc>
-                <a:spcPct val="90000"/>
-              </a:lnSpc>
-              <a:spcBef>
-                <a:spcPts val="1000"/>
-              </a:spcBef>
-              <a:buFont typeface="Arial"/>
-              <a:buChar char="•"/>
-              <a:defRPr kumimoji="1" sz="4400" b="1" kern="1200">
-                <a:solidFill>
-                  <a:srgbClr val="575757"/>
-                </a:solidFill>
-                <a:latin typeface="+mn-lt"/>
-                <a:ea typeface="+mn-ea"/>
-                <a:cs typeface="+mn-cs"/>
-              </a:defRPr>
-            </a:lvl1pPr>
-            <a:lvl2pPr marL="685800" indent="-228600" algn="l" defTabSz="914400" rtl="0" eaLnBrk="1" latinLnBrk="0" hangingPunct="1">
-              <a:lnSpc>
-                <a:spcPct val="90000"/>
-              </a:lnSpc>
-              <a:spcBef>
-                <a:spcPts val="500"/>
-              </a:spcBef>
-              <a:buFont typeface="Arial"/>
-              <a:buChar char="•"/>
-              <a:defRPr kumimoji="1" sz="3200" b="1" kern="1200">
-                <a:solidFill>
-                  <a:srgbClr val="575757"/>
-                </a:solidFill>
-                <a:latin typeface="+mn-lt"/>
-                <a:ea typeface="+mn-ea"/>
-                <a:cs typeface="+mn-cs"/>
-              </a:defRPr>
-            </a:lvl2pPr>
-            <a:lvl3pPr marL="1143000" indent="-228600" algn="l" defTabSz="914400" rtl="0" eaLnBrk="1" latinLnBrk="0" hangingPunct="1">
-              <a:lnSpc>
-                <a:spcPct val="90000"/>
-              </a:lnSpc>
-              <a:spcBef>
-                <a:spcPts val="500"/>
-              </a:spcBef>
-              <a:buFont typeface="Arial"/>
-              <a:buChar char="•"/>
-              <a:defRPr kumimoji="1" sz="2800" b="1" kern="1200">
-                <a:solidFill>
-                  <a:srgbClr val="575757"/>
-                </a:solidFill>
-                <a:latin typeface="+mn-lt"/>
-                <a:ea typeface="+mn-ea"/>
-                <a:cs typeface="+mn-cs"/>
-              </a:defRPr>
-            </a:lvl3pPr>
-            <a:lvl4pPr marL="1600200" indent="-228600" algn="l" defTabSz="914400" rtl="0" eaLnBrk="1" latinLnBrk="0" hangingPunct="1">
-              <a:lnSpc>
-                <a:spcPct val="90000"/>
-              </a:lnSpc>
-              <a:spcBef>
-                <a:spcPts val="500"/>
-              </a:spcBef>
-              <a:buFont typeface="Arial"/>
-              <a:buChar char="•"/>
-              <a:defRPr kumimoji="1" sz="2400" b="1" kern="1200">
-                <a:solidFill>
-                  <a:srgbClr val="575757"/>
-                </a:solidFill>
-                <a:latin typeface="+mn-lt"/>
-                <a:ea typeface="+mn-ea"/>
-                <a:cs typeface="+mn-cs"/>
-              </a:defRPr>
-            </a:lvl4pPr>
-            <a:lvl5pPr marL="2057400" indent="-228600" algn="l" defTabSz="914400" rtl="0" eaLnBrk="1" latinLnBrk="0" hangingPunct="1">
-              <a:lnSpc>
-                <a:spcPct val="90000"/>
-              </a:lnSpc>
-              <a:spcBef>
-                <a:spcPts val="500"/>
-              </a:spcBef>
-              <a:buFont typeface="Arial"/>
-              <a:buChar char="•"/>
-              <a:defRPr kumimoji="1" sz="2000" b="1" kern="1200">
-                <a:solidFill>
-                  <a:srgbClr val="575757"/>
-                </a:solidFill>
-                <a:latin typeface="+mn-lt"/>
-                <a:ea typeface="+mn-ea"/>
-                <a:cs typeface="+mn-cs"/>
-              </a:defRPr>
-            </a:lvl5pPr>
-            <a:lvl6pPr marL="2514600" indent="-228600" algn="l" defTabSz="914400" rtl="0" eaLnBrk="1" latinLnBrk="0" hangingPunct="1">
-              <a:lnSpc>
-                <a:spcPct val="90000"/>
-              </a:lnSpc>
-              <a:spcBef>
-                <a:spcPts val="500"/>
-              </a:spcBef>
-              <a:buFont typeface="Arial"/>
-              <a:buChar char="•"/>
-              <a:defRPr kumimoji="1" sz="1800" kern="1200">
-                <a:solidFill>
-                  <a:schemeClr val="tx1"/>
-                </a:solidFill>
-                <a:latin typeface="+mn-lt"/>
-                <a:ea typeface="+mn-ea"/>
-                <a:cs typeface="+mn-cs"/>
-              </a:defRPr>
-            </a:lvl6pPr>
-            <a:lvl7pPr marL="2971800" indent="-228600" algn="l" defTabSz="914400" rtl="0" eaLnBrk="1" latinLnBrk="0" hangingPunct="1">
-              <a:lnSpc>
-                <a:spcPct val="90000"/>
-              </a:lnSpc>
-              <a:spcBef>
-                <a:spcPts val="500"/>
-              </a:spcBef>
-              <a:buFont typeface="Arial"/>
-              <a:buChar char="•"/>
-              <a:defRPr kumimoji="1" sz="1800" kern="1200">
-                <a:solidFill>
-                  <a:schemeClr val="tx1"/>
-                </a:solidFill>
-                <a:latin typeface="+mn-lt"/>
-                <a:ea typeface="+mn-ea"/>
-                <a:cs typeface="+mn-cs"/>
-              </a:defRPr>
-            </a:lvl7pPr>
-            <a:lvl8pPr marL="3429000" indent="-228600" algn="l" defTabSz="914400" rtl="0" eaLnBrk="1" latinLnBrk="0" hangingPunct="1">
-              <a:lnSpc>
-                <a:spcPct val="90000"/>
-              </a:lnSpc>
-              <a:spcBef>
-                <a:spcPts val="500"/>
-              </a:spcBef>
-              <a:buFont typeface="Arial"/>
-              <a:buChar char="•"/>
-              <a:defRPr kumimoji="1" sz="1800" kern="1200">
-                <a:solidFill>
-                  <a:schemeClr val="tx1"/>
-                </a:solidFill>
-                <a:latin typeface="+mn-lt"/>
-                <a:ea typeface="+mn-ea"/>
-                <a:cs typeface="+mn-cs"/>
-              </a:defRPr>
-            </a:lvl8pPr>
-            <a:lvl9pPr marL="3886200" indent="-228600" algn="l" defTabSz="914400" rtl="0" eaLnBrk="1" latinLnBrk="0" hangingPunct="1">
-              <a:lnSpc>
-                <a:spcPct val="90000"/>
-              </a:lnSpc>
-              <a:spcBef>
-                <a:spcPts val="500"/>
-              </a:spcBef>
-              <a:buFont typeface="Arial"/>
-              <a:buChar char="•"/>
-              <a:defRPr kumimoji="1" sz="1800" kern="1200">
-                <a:solidFill>
-                  <a:schemeClr val="tx1"/>
-                </a:solidFill>
-                <a:latin typeface="+mn-lt"/>
-                <a:ea typeface="+mn-ea"/>
-                <a:cs typeface="+mn-cs"/>
-              </a:defRPr>
-            </a:lvl9pPr>
-          </a:lstStyle>
-          <a:p>
-            <a:pPr marL="0" indent="0">
-              <a:buNone/>
-            </a:pPr>
-            <a:r>
-              <a:rPr lang="ja-JP" altLang="en-US" b="0">
-                <a:latin typeface="+mn-ea"/>
-              </a:rPr>
-              <a:t>・</a:t>
-            </a:r>
-            <a:r>
-              <a:rPr lang="en-US" altLang="ja-JP" b="0" dirty="0">
-                <a:latin typeface="+mn-ea"/>
-              </a:rPr>
-              <a:t>2021</a:t>
-            </a:r>
-            <a:r>
-              <a:rPr lang="ja-JP" altLang="en-US" b="0">
-                <a:latin typeface="+mn-ea"/>
-              </a:rPr>
-              <a:t>年 </a:t>
-            </a:r>
-            <a:r>
-              <a:rPr lang="en-US" altLang="ja-JP" b="0" dirty="0">
-                <a:latin typeface="+mn-ea"/>
-              </a:rPr>
-              <a:t>"</a:t>
-            </a:r>
-            <a:r>
-              <a:rPr lang="en-US" altLang="ja-JP" b="0" dirty="0" err="1">
-                <a:latin typeface="+mn-ea"/>
-              </a:rPr>
-              <a:t>re:Invent</a:t>
-            </a:r>
-            <a:r>
-              <a:rPr lang="en-US" altLang="ja-JP" b="0" dirty="0">
-                <a:latin typeface="+mn-ea"/>
-              </a:rPr>
-              <a:t>"</a:t>
-            </a:r>
-            <a:r>
-              <a:rPr lang="ja-JP" altLang="en-US" b="0">
-                <a:latin typeface="+mn-ea"/>
-              </a:rPr>
-              <a:t>の復習</a:t>
-            </a:r>
-            <a:endParaRPr lang="en-US" altLang="ja-JP" b="0" dirty="0">
-              <a:latin typeface="+mn-ea"/>
-            </a:endParaRPr>
-          </a:p>
-          <a:p>
-            <a:pPr marL="0" indent="0">
-              <a:buNone/>
-            </a:pPr>
-            <a:r>
-              <a:rPr lang="ja-JP" altLang="en-US" b="0">
-                <a:latin typeface="+mn-ea"/>
-              </a:rPr>
-              <a:t>・エンジニアに特化しない</a:t>
-            </a:r>
-            <a:r>
-              <a:rPr lang="en-US" altLang="ja-JP" b="0" dirty="0">
-                <a:latin typeface="+mn-ea"/>
-              </a:rPr>
-              <a:t>~</a:t>
-            </a:r>
-            <a:r>
-              <a:rPr lang="ja-JP" altLang="en-US" b="0">
-                <a:latin typeface="+mn-ea"/>
-              </a:rPr>
-              <a:t>ユーザー目線で</a:t>
-            </a:r>
-            <a:r>
-              <a:rPr lang="en-US" altLang="ja-JP" b="0" dirty="0">
-                <a:latin typeface="+mn-ea"/>
-              </a:rPr>
-              <a:t>AWS</a:t>
-            </a:r>
-            <a:r>
-              <a:rPr lang="ja-JP" altLang="en-US" b="0">
-                <a:latin typeface="+mn-ea"/>
-              </a:rPr>
-              <a:t>を語ろう</a:t>
-            </a:r>
-            <a:r>
-              <a:rPr lang="en-US" altLang="ja-JP" b="0" dirty="0">
-                <a:latin typeface="+mn-ea"/>
-              </a:rPr>
-              <a:t>~</a:t>
-            </a:r>
-          </a:p>
-          <a:p>
-            <a:pPr marL="0" indent="0">
-              <a:buNone/>
-            </a:pPr>
-            <a:r>
-              <a:rPr lang="ja-JP" altLang="en-US" b="0">
-                <a:latin typeface="+mn-ea"/>
-              </a:rPr>
-              <a:t>・コンテナサービスを学ぶ</a:t>
-            </a:r>
-            <a:endParaRPr lang="en-US" altLang="ja-JP" b="0" dirty="0">
-              <a:latin typeface="+mn-ea"/>
-            </a:endParaRPr>
-          </a:p>
-          <a:p>
-            <a:pPr marL="0" indent="0">
-              <a:buNone/>
-            </a:pPr>
-            <a:r>
-              <a:rPr lang="ja-JP" altLang="en-US" b="0">
-                <a:latin typeface="+mn-ea"/>
-              </a:rPr>
-              <a:t>・</a:t>
-            </a:r>
-            <a:r>
-              <a:rPr lang="en-US" altLang="ja-JP" b="0" dirty="0">
-                <a:latin typeface="+mn-ea"/>
-              </a:rPr>
-              <a:t>Infrastructure as Code</a:t>
-            </a:r>
-            <a:r>
-              <a:rPr lang="ja-JP" altLang="en-US" b="0">
-                <a:latin typeface="+mn-ea"/>
-              </a:rPr>
-              <a:t>について学ぶ</a:t>
-            </a:r>
-            <a:endParaRPr lang="en-US" altLang="ja-JP" b="0" dirty="0">
-              <a:latin typeface="+mn-ea"/>
-            </a:endParaRPr>
-          </a:p>
-          <a:p>
-            <a:pPr marL="0" indent="0">
-              <a:buNone/>
-            </a:pPr>
-            <a:r>
-              <a:rPr lang="ja-JP" altLang="en-US" b="0">
-                <a:latin typeface="+mn-ea"/>
-              </a:rPr>
-              <a:t>・データ分析を学ぶ</a:t>
-            </a:r>
-            <a:endParaRPr lang="en-US" altLang="ja-JP" b="0" dirty="0">
-              <a:latin typeface="+mn-ea"/>
-            </a:endParaRPr>
-          </a:p>
-          <a:p>
-            <a:pPr marL="0" indent="0">
-              <a:buNone/>
-            </a:pPr>
-            <a:r>
-              <a:rPr lang="ja-JP" altLang="en-US" b="0">
-                <a:latin typeface="+mn-ea"/>
-              </a:rPr>
-              <a:t>・</a:t>
-            </a:r>
-            <a:r>
-              <a:rPr lang="en-US" altLang="ja-JP" b="0" dirty="0">
-                <a:latin typeface="+mn-ea"/>
-              </a:rPr>
-              <a:t>S3 &amp; EC2 </a:t>
-            </a:r>
-            <a:r>
-              <a:rPr lang="ja-JP" altLang="en-US" b="0">
-                <a:latin typeface="+mn-ea"/>
-              </a:rPr>
-              <a:t>初心者向けハンズオン</a:t>
-            </a:r>
-            <a:endParaRPr lang="en-US" altLang="ja-JP" b="0" dirty="0">
-              <a:latin typeface="+mn-ea"/>
-            </a:endParaRPr>
-          </a:p>
-          <a:p>
-            <a:pPr marL="0" indent="0">
-              <a:buNone/>
-            </a:pPr>
-            <a:r>
-              <a:rPr lang="ja-JP" altLang="en-US" b="0">
-                <a:latin typeface="+mn-ea"/>
-              </a:rPr>
-              <a:t>ハンズオン形式、登壇形式、</a:t>
-            </a:r>
-            <a:r>
-              <a:rPr lang="en-US" altLang="ja-JP" b="0" dirty="0">
-                <a:latin typeface="+mn-ea"/>
-              </a:rPr>
-              <a:t>LT</a:t>
-            </a:r>
-            <a:r>
-              <a:rPr lang="ja-JP" altLang="en-US" b="0">
-                <a:latin typeface="+mn-ea"/>
-              </a:rPr>
-              <a:t>あります。</a:t>
-            </a:r>
-            <a:endParaRPr lang="en-US" altLang="ja-JP" b="0" dirty="0">
-              <a:latin typeface="+mn-ea"/>
-            </a:endParaRPr>
-          </a:p>
-          <a:p>
-            <a:pPr marL="0" indent="0">
-              <a:buNone/>
-            </a:pPr>
-            <a:r>
-              <a:rPr lang="ja-JP" altLang="en-US" b="0">
-                <a:latin typeface="+mn-ea"/>
-              </a:rPr>
-              <a:t>毎回</a:t>
-            </a:r>
-            <a:r>
-              <a:rPr lang="en-US" altLang="ja-JP" b="0" dirty="0">
-                <a:latin typeface="+mn-ea"/>
-              </a:rPr>
-              <a:t>LT</a:t>
-            </a:r>
-            <a:r>
-              <a:rPr lang="ja-JP" altLang="en-US" b="0">
-                <a:latin typeface="+mn-ea"/>
-              </a:rPr>
-              <a:t>枠も用意しているので、登壇できる方募集中。</a:t>
-            </a:r>
-            <a:endParaRPr lang="en-US" altLang="ja-JP" b="0" dirty="0">
-              <a:latin typeface="+mn-ea"/>
-            </a:endParaRPr>
-          </a:p>
-          <a:p>
-            <a:pPr marL="0" indent="0">
-              <a:buNone/>
-            </a:pPr>
-            <a:endParaRPr lang="en-US" altLang="ja-JP" b="0" dirty="0">
-              <a:latin typeface="+mn-ea"/>
-            </a:endParaRPr>
-          </a:p>
-          <a:p>
-            <a:pPr marL="0" indent="0">
-              <a:buNone/>
-            </a:pPr>
-            <a:r>
-              <a:rPr lang="ja-JP" altLang="en-US" b="0">
-                <a:latin typeface="+mn-ea"/>
-              </a:rPr>
-              <a:t>次回、</a:t>
-            </a:r>
-            <a:r>
-              <a:rPr lang="en-US" altLang="ja-JP" b="0" dirty="0">
-                <a:latin typeface="+mn-ea"/>
-              </a:rPr>
-              <a:t>1/28</a:t>
-            </a:r>
-            <a:r>
-              <a:rPr lang="ja-JP" altLang="en-US" b="0">
-                <a:latin typeface="+mn-ea"/>
-              </a:rPr>
-              <a:t>（金）開催予定。詳細は、</a:t>
-            </a:r>
-            <a:r>
-              <a:rPr lang="en-US" altLang="ja-JP" b="0" dirty="0">
-                <a:latin typeface="+mn-ea"/>
-              </a:rPr>
-              <a:t>1</a:t>
-            </a:r>
-            <a:r>
-              <a:rPr lang="ja-JP" altLang="en-US" b="0">
-                <a:latin typeface="+mn-ea"/>
-              </a:rPr>
-              <a:t>月会担当川路さん</a:t>
-            </a:r>
-            <a:r>
-              <a:rPr lang="en-US" altLang="ja-JP" b="0" dirty="0">
-                <a:latin typeface="+mn-ea"/>
-              </a:rPr>
-              <a:t>LT</a:t>
-            </a:r>
-            <a:r>
-              <a:rPr lang="ja-JP" altLang="en-US" b="0">
-                <a:latin typeface="+mn-ea"/>
-              </a:rPr>
-              <a:t>で。</a:t>
-            </a:r>
-            <a:endParaRPr lang="en-US" altLang="ja-JP" b="0" dirty="0">
-              <a:latin typeface="+mn-ea"/>
-            </a:endParaRPr>
-          </a:p>
-        </p:txBody>
-      </p:sp>
-      <p:pic>
-        <p:nvPicPr>
-          <p:cNvPr id="7" name="図 6">
-            <a:extLst>
-              <a:ext uri="{FF2B5EF4-FFF2-40B4-BE49-F238E27FC236}">
-                <a16:creationId xmlns:a16="http://schemas.microsoft.com/office/drawing/2014/main" id="{CCA68728-9091-DE4F-BD79-11B9CB78ACC7}"/>
-              </a:ext>
-            </a:extLst>
-          </p:cNvPr>
-          <p:cNvPicPr>
-            <a:picLocks noChangeAspect="1"/>
-          </p:cNvPicPr>
-          <p:nvPr/>
-        </p:nvPicPr>
-        <p:blipFill>
-          <a:blip r:embed="rId2"/>
-          <a:stretch>
-            <a:fillRect/>
-          </a:stretch>
-        </p:blipFill>
-        <p:spPr>
-          <a:xfrm>
-            <a:off x="185928" y="297020"/>
-            <a:ext cx="652272" cy="652272"/>
-          </a:xfrm>
-          <a:prstGeom prst="rect">
-            <a:avLst/>
-          </a:prstGeom>
-        </p:spPr>
-      </p:pic>
-    </p:spTree>
-    <p:extLst>
-      <p:ext uri="{BB962C8B-B14F-4D97-AF65-F5344CB8AC3E}">
-        <p14:creationId xmlns:p14="http://schemas.microsoft.com/office/powerpoint/2010/main" val="3667253168"/>
-      </p:ext>
-    </p:extLst>
-  </p:cSld>
-  <p:clrMapOvr>
-    <a:masterClrMapping/>
-  </p:clrMapOvr>
-</p:sld>
-</file>
-
-<file path=ppt/slides/slide4.xml><?xml version="1.0" encoding="utf-8"?>
-<p:sld xmlns:a="http://schemas.openxmlformats.org/drawingml/2006/main" xmlns:r="http://schemas.openxmlformats.org/officeDocument/2006/relationships" xmlns:p="http://schemas.openxmlformats.org/presentationml/2006/main">
-  <p:cSld>
-    <p:spTree>
-      <p:nvGrpSpPr>
-        <p:cNvPr id="1" name=""/>
-        <p:cNvGrpSpPr/>
-        <p:nvPr/>
-      </p:nvGrpSpPr>
-      <p:grpSpPr>
-        <a:xfrm>
-          <a:off x="0" y="0"/>
-          <a:ext cx="0" cy="0"/>
-          <a:chOff x="0" y="0"/>
-          <a:chExt cx="0" cy="0"/>
-        </a:xfrm>
-      </p:grpSpPr>
-      <p:sp>
-        <p:nvSpPr>
-          <p:cNvPr id="2" name="タイトル 1"/>
-          <p:cNvSpPr>
-            <a:spLocks noGrp="1"/>
-          </p:cNvSpPr>
-          <p:nvPr>
-            <p:ph type="title"/>
-          </p:nvPr>
-        </p:nvSpPr>
-        <p:spPr/>
-        <p:txBody>
-          <a:bodyPr>
-            <a:normAutofit/>
-          </a:bodyPr>
-          <a:lstStyle/>
-          <a:p>
-            <a:r>
-              <a:rPr lang="ja-JP" altLang="en-US"/>
-              <a:t>運営スタッフ募集中</a:t>
-            </a:r>
-            <a:endParaRPr kumimoji="1" lang="ja-JP" altLang="en-US" sz="1800" dirty="0"/>
-          </a:p>
-        </p:txBody>
-      </p:sp>
-      <p:sp>
-        <p:nvSpPr>
-          <p:cNvPr id="4" name="フッター プレースホルダー 3"/>
-          <p:cNvSpPr>
-            <a:spLocks noGrp="1"/>
-          </p:cNvSpPr>
-          <p:nvPr>
-            <p:ph type="ftr" sz="quarter" idx="11"/>
-          </p:nvPr>
-        </p:nvSpPr>
-        <p:spPr/>
-        <p:txBody>
-          <a:bodyPr/>
-          <a:lstStyle/>
-          <a:p>
-            <a:r>
-              <a:rPr lang="de-DE" altLang="ja-JP"/>
-              <a:t>20220122 NGK2022S</a:t>
-            </a:r>
-            <a:endParaRPr lang="ja-JP" altLang="en-US" dirty="0"/>
-          </a:p>
-        </p:txBody>
-      </p:sp>
-      <p:sp>
-        <p:nvSpPr>
-          <p:cNvPr id="5" name="スライド番号プレースホルダー 4"/>
-          <p:cNvSpPr>
-            <a:spLocks noGrp="1"/>
-          </p:cNvSpPr>
-          <p:nvPr>
-            <p:ph type="sldNum" sz="quarter" idx="12"/>
-          </p:nvPr>
-        </p:nvSpPr>
-        <p:spPr/>
-        <p:txBody>
-          <a:bodyPr/>
-          <a:lstStyle/>
-          <a:p>
-            <a:fld id="{4C6F59A7-4AF7-C946-B34D-53547DE9B171}" type="slidenum">
-              <a:rPr lang="ja-JP" altLang="en-US" smtClean="0"/>
-              <a:pPr/>
-              <a:t>4</a:t>
-            </a:fld>
-            <a:endParaRPr lang="ja-JP" altLang="en-US"/>
-          </a:p>
-        </p:txBody>
-      </p:sp>
-      <p:sp>
-        <p:nvSpPr>
-          <p:cNvPr id="6" name="コンテンツ プレースホルダー 2">
-            <a:extLst>
-              <a:ext uri="{FF2B5EF4-FFF2-40B4-BE49-F238E27FC236}">
-                <a16:creationId xmlns:a16="http://schemas.microsoft.com/office/drawing/2014/main" id="{D3B8DC19-47AF-5548-8633-AC1D64A4319D}"/>
-              </a:ext>
-            </a:extLst>
-          </p:cNvPr>
-          <p:cNvSpPr txBox="1">
-            <a:spLocks/>
-          </p:cNvSpPr>
-          <p:nvPr/>
-        </p:nvSpPr>
-        <p:spPr>
-          <a:xfrm>
-            <a:off x="185928" y="1384748"/>
-            <a:ext cx="11902440" cy="4850952"/>
-          </a:xfrm>
-          <a:prstGeom prst="rect">
-            <a:avLst/>
-          </a:prstGeom>
-        </p:spPr>
-        <p:txBody>
-          <a:bodyPr vert="horz" lIns="91440" tIns="45720" rIns="91440" bIns="45720" rtlCol="0">
-            <a:normAutofit/>
-          </a:bodyPr>
-          <a:lstStyle>
-            <a:lvl1pPr marL="228600" indent="-228600" algn="l" defTabSz="914400" rtl="0" eaLnBrk="1" latinLnBrk="0" hangingPunct="1">
-              <a:lnSpc>
-                <a:spcPct val="90000"/>
-              </a:lnSpc>
-              <a:spcBef>
-                <a:spcPts val="1000"/>
-              </a:spcBef>
-              <a:buFont typeface="Arial"/>
-              <a:buChar char="•"/>
-              <a:defRPr kumimoji="1" sz="4400" b="1" kern="1200">
-                <a:solidFill>
-                  <a:srgbClr val="575757"/>
-                </a:solidFill>
-                <a:latin typeface="+mn-lt"/>
-                <a:ea typeface="+mn-ea"/>
-                <a:cs typeface="+mn-cs"/>
-              </a:defRPr>
-            </a:lvl1pPr>
-            <a:lvl2pPr marL="685800" indent="-228600" algn="l" defTabSz="914400" rtl="0" eaLnBrk="1" latinLnBrk="0" hangingPunct="1">
-              <a:lnSpc>
-                <a:spcPct val="90000"/>
-              </a:lnSpc>
-              <a:spcBef>
-                <a:spcPts val="500"/>
-              </a:spcBef>
-              <a:buFont typeface="Arial"/>
-              <a:buChar char="•"/>
-              <a:defRPr kumimoji="1" sz="3200" b="1" kern="1200">
-                <a:solidFill>
-                  <a:srgbClr val="575757"/>
-                </a:solidFill>
-                <a:latin typeface="+mn-lt"/>
-                <a:ea typeface="+mn-ea"/>
-                <a:cs typeface="+mn-cs"/>
-              </a:defRPr>
-            </a:lvl2pPr>
-            <a:lvl3pPr marL="1143000" indent="-228600" algn="l" defTabSz="914400" rtl="0" eaLnBrk="1" latinLnBrk="0" hangingPunct="1">
-              <a:lnSpc>
-                <a:spcPct val="90000"/>
-              </a:lnSpc>
-              <a:spcBef>
-                <a:spcPts val="500"/>
-              </a:spcBef>
-              <a:buFont typeface="Arial"/>
-              <a:buChar char="•"/>
-              <a:defRPr kumimoji="1" sz="2800" b="1" kern="1200">
-                <a:solidFill>
-                  <a:srgbClr val="575757"/>
-                </a:solidFill>
-                <a:latin typeface="+mn-lt"/>
-                <a:ea typeface="+mn-ea"/>
-                <a:cs typeface="+mn-cs"/>
-              </a:defRPr>
-            </a:lvl3pPr>
-            <a:lvl4pPr marL="1600200" indent="-228600" algn="l" defTabSz="914400" rtl="0" eaLnBrk="1" latinLnBrk="0" hangingPunct="1">
-              <a:lnSpc>
-                <a:spcPct val="90000"/>
-              </a:lnSpc>
-              <a:spcBef>
-                <a:spcPts val="500"/>
-              </a:spcBef>
-              <a:buFont typeface="Arial"/>
-              <a:buChar char="•"/>
-              <a:defRPr kumimoji="1" sz="2400" b="1" kern="1200">
-                <a:solidFill>
-                  <a:srgbClr val="575757"/>
-                </a:solidFill>
-                <a:latin typeface="+mn-lt"/>
-                <a:ea typeface="+mn-ea"/>
-                <a:cs typeface="+mn-cs"/>
-              </a:defRPr>
-            </a:lvl4pPr>
-            <a:lvl5pPr marL="2057400" indent="-228600" algn="l" defTabSz="914400" rtl="0" eaLnBrk="1" latinLnBrk="0" hangingPunct="1">
-              <a:lnSpc>
-                <a:spcPct val="90000"/>
-              </a:lnSpc>
-              <a:spcBef>
-                <a:spcPts val="500"/>
-              </a:spcBef>
-              <a:buFont typeface="Arial"/>
-              <a:buChar char="•"/>
-              <a:defRPr kumimoji="1" sz="2000" b="1" kern="1200">
-                <a:solidFill>
-                  <a:srgbClr val="575757"/>
-                </a:solidFill>
-                <a:latin typeface="+mn-lt"/>
-                <a:ea typeface="+mn-ea"/>
-                <a:cs typeface="+mn-cs"/>
-              </a:defRPr>
-            </a:lvl5pPr>
-            <a:lvl6pPr marL="2514600" indent="-228600" algn="l" defTabSz="914400" rtl="0" eaLnBrk="1" latinLnBrk="0" hangingPunct="1">
-              <a:lnSpc>
-                <a:spcPct val="90000"/>
-              </a:lnSpc>
-              <a:spcBef>
-                <a:spcPts val="500"/>
-              </a:spcBef>
-              <a:buFont typeface="Arial"/>
-              <a:buChar char="•"/>
-              <a:defRPr kumimoji="1" sz="1800" kern="1200">
-                <a:solidFill>
-                  <a:schemeClr val="tx1"/>
-                </a:solidFill>
-                <a:latin typeface="+mn-lt"/>
-                <a:ea typeface="+mn-ea"/>
-                <a:cs typeface="+mn-cs"/>
-              </a:defRPr>
-            </a:lvl6pPr>
-            <a:lvl7pPr marL="2971800" indent="-228600" algn="l" defTabSz="914400" rtl="0" eaLnBrk="1" latinLnBrk="0" hangingPunct="1">
-              <a:lnSpc>
-                <a:spcPct val="90000"/>
-              </a:lnSpc>
-              <a:spcBef>
-                <a:spcPts val="500"/>
-              </a:spcBef>
-              <a:buFont typeface="Arial"/>
-              <a:buChar char="•"/>
-              <a:defRPr kumimoji="1" sz="1800" kern="1200">
-                <a:solidFill>
-                  <a:schemeClr val="tx1"/>
-                </a:solidFill>
-                <a:latin typeface="+mn-lt"/>
-                <a:ea typeface="+mn-ea"/>
-                <a:cs typeface="+mn-cs"/>
-              </a:defRPr>
-            </a:lvl7pPr>
-            <a:lvl8pPr marL="3429000" indent="-228600" algn="l" defTabSz="914400" rtl="0" eaLnBrk="1" latinLnBrk="0" hangingPunct="1">
-              <a:lnSpc>
-                <a:spcPct val="90000"/>
-              </a:lnSpc>
-              <a:spcBef>
-                <a:spcPts val="500"/>
-              </a:spcBef>
-              <a:buFont typeface="Arial"/>
-              <a:buChar char="•"/>
-              <a:defRPr kumimoji="1" sz="1800" kern="1200">
-                <a:solidFill>
-                  <a:schemeClr val="tx1"/>
-                </a:solidFill>
-                <a:latin typeface="+mn-lt"/>
-                <a:ea typeface="+mn-ea"/>
-                <a:cs typeface="+mn-cs"/>
-              </a:defRPr>
-            </a:lvl8pPr>
-            <a:lvl9pPr marL="3886200" indent="-228600" algn="l" defTabSz="914400" rtl="0" eaLnBrk="1" latinLnBrk="0" hangingPunct="1">
-              <a:lnSpc>
-                <a:spcPct val="90000"/>
-              </a:lnSpc>
-              <a:spcBef>
-                <a:spcPts val="500"/>
-              </a:spcBef>
-              <a:buFont typeface="Arial"/>
-              <a:buChar char="•"/>
-              <a:defRPr kumimoji="1" sz="1800" kern="1200">
-                <a:solidFill>
-                  <a:schemeClr val="tx1"/>
-                </a:solidFill>
-                <a:latin typeface="+mn-lt"/>
-                <a:ea typeface="+mn-ea"/>
-                <a:cs typeface="+mn-cs"/>
-              </a:defRPr>
-            </a:lvl9pPr>
-          </a:lstStyle>
-          <a:p>
-            <a:pPr marL="0" indent="0">
-              <a:buNone/>
-            </a:pPr>
-            <a:r>
-              <a:rPr lang="ja-JP" altLang="en-US" b="0">
-                <a:latin typeface="+mn-ea"/>
-              </a:rPr>
-              <a:t>・年度単位で挙手制</a:t>
-            </a:r>
-            <a:r>
-              <a:rPr lang="ja-JP" altLang="en-US" sz="3600" b="0">
-                <a:latin typeface="+mn-ea"/>
-              </a:rPr>
-              <a:t>（今年は無理とか言いやすい）</a:t>
-            </a:r>
-            <a:endParaRPr lang="en-US" altLang="ja-JP" sz="3600" b="0" dirty="0">
-              <a:latin typeface="+mn-ea"/>
-            </a:endParaRPr>
-          </a:p>
-          <a:p>
-            <a:pPr marL="0" indent="0">
-              <a:buNone/>
-            </a:pPr>
-            <a:r>
-              <a:rPr lang="ja-JP" altLang="en-US" b="0">
-                <a:latin typeface="+mn-ea"/>
-              </a:rPr>
-              <a:t>・</a:t>
-            </a:r>
-            <a:r>
-              <a:rPr lang="en-US" altLang="ja-JP" b="0" dirty="0">
-                <a:latin typeface="+mn-ea"/>
-              </a:rPr>
-              <a:t>2021</a:t>
-            </a:r>
-            <a:r>
-              <a:rPr lang="ja-JP" altLang="en-US" b="0">
-                <a:latin typeface="+mn-ea"/>
-              </a:rPr>
-              <a:t>年度は、</a:t>
-            </a:r>
-            <a:r>
-              <a:rPr lang="en-US" altLang="ja-JP" b="0" dirty="0">
-                <a:latin typeface="+mn-ea"/>
-              </a:rPr>
-              <a:t>8</a:t>
-            </a:r>
-            <a:r>
-              <a:rPr lang="ja-JP" altLang="en-US" b="0">
-                <a:latin typeface="+mn-ea"/>
-              </a:rPr>
-              <a:t>名体制</a:t>
-            </a:r>
-            <a:r>
-              <a:rPr lang="ja-JP" altLang="en-US" sz="3600" b="0">
-                <a:latin typeface="+mn-ea"/>
-              </a:rPr>
-              <a:t>（理想</a:t>
-            </a:r>
-            <a:r>
-              <a:rPr lang="en-US" altLang="ja-JP" sz="3600" b="0" dirty="0">
-                <a:latin typeface="+mn-ea"/>
-              </a:rPr>
-              <a:t>12</a:t>
-            </a:r>
-            <a:r>
-              <a:rPr lang="ja-JP" altLang="en-US" sz="3600" b="0">
-                <a:latin typeface="+mn-ea"/>
-              </a:rPr>
-              <a:t>名体制）</a:t>
-            </a:r>
-            <a:endParaRPr lang="en-US" altLang="ja-JP" sz="3600" b="0" dirty="0">
-              <a:latin typeface="+mn-ea"/>
-            </a:endParaRPr>
-          </a:p>
-          <a:p>
-            <a:pPr marL="0" indent="0">
-              <a:buNone/>
-            </a:pPr>
-            <a:r>
-              <a:rPr lang="ja-JP" altLang="en-US" b="0">
-                <a:latin typeface="+mn-ea"/>
-              </a:rPr>
-              <a:t>・月担当は、自分の興味あるテーマ決定権</a:t>
-            </a:r>
-            <a:endParaRPr lang="en-US" altLang="ja-JP" b="0" dirty="0">
-              <a:latin typeface="+mn-ea"/>
-            </a:endParaRPr>
-          </a:p>
-          <a:p>
-            <a:pPr marL="0" indent="0">
-              <a:buNone/>
-            </a:pPr>
-            <a:r>
-              <a:rPr lang="ja-JP" altLang="en-US" b="0">
-                <a:latin typeface="+mn-ea"/>
-              </a:rPr>
-              <a:t>・他スタッフも協力して登壇者集め、周知</a:t>
-            </a:r>
-            <a:endParaRPr lang="en-US" altLang="ja-JP" b="0" dirty="0">
-              <a:latin typeface="+mn-ea"/>
-            </a:endParaRPr>
-          </a:p>
-          <a:p>
-            <a:pPr marL="0" indent="0">
-              <a:buNone/>
-            </a:pPr>
-            <a:r>
-              <a:rPr lang="ja-JP" altLang="en-US" b="0">
-                <a:latin typeface="+mn-ea"/>
-              </a:rPr>
-              <a:t>・スタッフに負荷のでない運営方針</a:t>
-            </a:r>
-            <a:endParaRPr lang="en-US" altLang="ja-JP" b="0" dirty="0">
-              <a:latin typeface="+mn-ea"/>
-            </a:endParaRPr>
-          </a:p>
-          <a:p>
-            <a:pPr marL="0" indent="0">
-              <a:buNone/>
-            </a:pPr>
-            <a:r>
-              <a:rPr lang="ja-JP" altLang="en-US" b="0">
-                <a:latin typeface="+mn-ea"/>
-              </a:rPr>
-              <a:t>（良い意味で、アドレナリンが出ない！）　</a:t>
-            </a:r>
-            <a:endParaRPr lang="en-US" altLang="ja-JP" b="0" dirty="0">
-              <a:latin typeface="+mn-ea"/>
-            </a:endParaRPr>
-          </a:p>
-        </p:txBody>
-      </p:sp>
-      <p:pic>
-        <p:nvPicPr>
-          <p:cNvPr id="7" name="図 6">
-            <a:extLst>
-              <a:ext uri="{FF2B5EF4-FFF2-40B4-BE49-F238E27FC236}">
-                <a16:creationId xmlns:a16="http://schemas.microsoft.com/office/drawing/2014/main" id="{CCA68728-9091-DE4F-BD79-11B9CB78ACC7}"/>
-              </a:ext>
-            </a:extLst>
-          </p:cNvPr>
-          <p:cNvPicPr>
-            <a:picLocks noChangeAspect="1"/>
-          </p:cNvPicPr>
-          <p:nvPr/>
-        </p:nvPicPr>
-        <p:blipFill>
-          <a:blip r:embed="rId2"/>
-          <a:stretch>
-            <a:fillRect/>
-          </a:stretch>
-        </p:blipFill>
-        <p:spPr>
-          <a:xfrm>
-            <a:off x="185928" y="297020"/>
-            <a:ext cx="652272" cy="652272"/>
-          </a:xfrm>
-          <a:prstGeom prst="rect">
-            <a:avLst/>
-          </a:prstGeom>
-        </p:spPr>
-      </p:pic>
-    </p:spTree>
-    <p:extLst>
-      <p:ext uri="{BB962C8B-B14F-4D97-AF65-F5344CB8AC3E}">
-        <p14:creationId xmlns:p14="http://schemas.microsoft.com/office/powerpoint/2010/main" val="502222939"/>
+        <p14:creationId xmlns:p14="http://schemas.microsoft.com/office/powerpoint/2010/main" val="1505641329"/>
       </p:ext>
     </p:extLst>
   </p:cSld>
